--- a/platform/documentation/src/Platform_Installation_Guide_for_Windows.pptx
+++ b/platform/documentation/src/Platform_Installation_Guide_for_Windows.pptx
@@ -12142,13 +12142,13 @@
                 <a:latin typeface="Consolas" panose="020B0609020204030204" pitchFamily="49" charset="0"/>
                 <a:hlinkClick r:id="rId3"/>
               </a:rPr>
-              <a:t>https://jenkins-2.sse.uni-hildesheim.de/view/IIP-Ecosphere/job/IIP_Install/lastSuccessfulBuild/artifact/install.tar.gz</a:t>
+              <a:t>https://jenkins-2.sse.uni-hildesheim.de/view/IIP-Ecosphere/job/IIP_Install/lastSuccessfulBuild/artifact/platform/tools/Install/install.tar.gz</a:t>
             </a:r>
             <a:r>
               <a:rPr lang="es-ES" dirty="0">
                 <a:latin typeface="Consolas" panose="020B0609020204030204" pitchFamily="49" charset="0"/>
               </a:rPr>
-              <a:t> -O install.tar.gz</a:t>
+              <a:t> -o install.tar.gz</a:t>
             </a:r>
           </a:p>
           <a:p>

--- a/platform/documentation/src/Platform_Installation_Guide_for_Windows.pptx
+++ b/platform/documentation/src/Platform_Installation_Guide_for_Windows.pptx
@@ -10401,11 +10401,17 @@
               <a:rPr lang="en-GB" dirty="0">
                 <a:hlinkClick r:id="rId3"/>
               </a:rPr>
-              <a:t>https://sync.academiccloud.de/index.php/s/yBCo2ZAkP8ZB4vd</a:t>
+              <a:t>https://sync.academiccloud.de/index.php/s/2XnAi5tfiADD7MP</a:t>
             </a:r>
             <a:r>
               <a:rPr lang="en-GB" dirty="0"/>
-              <a:t> Extract the Zip file.</a:t>
+              <a:t> </a:t>
+            </a:r>
+          </a:p>
+          <a:p>
+            <a:r>
+              <a:rPr lang="en-GB" dirty="0"/>
+              <a:t>Extract the Zip file.</a:t>
             </a:r>
             <a:r>
               <a:rPr lang="en-GB" dirty="0">
